--- a/prinstat proj pres.pptx
+++ b/prinstat proj pres.pptx
@@ -217,7 +217,7 @@
           <a:p>
             <a:fld id="{86680C0C-85DF-417F-8238-DB0D15743621}" type="datetimeFigureOut">
               <a:rPr lang="en-GB" smtClean="0"/>
-              <a:t>14/12/2018</a:t>
+              <a:t>16/12/2018</a:t>
             </a:fld>
             <a:endParaRPr lang="en-GB"/>
           </a:p>
@@ -887,6 +887,170 @@
 </p:notes>
 </file>
 
+<file path=ppt/notesSlides/notesSlide5.xml><?xml version="1.0" encoding="utf-8"?>
+<p:notes xmlns:a="http://schemas.openxmlformats.org/drawingml/2006/main" xmlns:r="http://schemas.openxmlformats.org/officeDocument/2006/relationships" xmlns:p="http://schemas.openxmlformats.org/presentationml/2006/main">
+  <p:cSld>
+    <p:spTree>
+      <p:nvGrpSpPr>
+        <p:cNvPr id="1" name=""/>
+        <p:cNvGrpSpPr/>
+        <p:nvPr/>
+      </p:nvGrpSpPr>
+      <p:grpSpPr>
+        <a:xfrm>
+          <a:off x="0" y="0"/>
+          <a:ext cx="0" cy="0"/>
+          <a:chOff x="0" y="0"/>
+          <a:chExt cx="0" cy="0"/>
+        </a:xfrm>
+      </p:grpSpPr>
+      <p:sp>
+        <p:nvSpPr>
+          <p:cNvPr id="2" name="Slide Image Placeholder 1"/>
+          <p:cNvSpPr>
+            <a:spLocks noGrp="1" noRot="1" noChangeAspect="1"/>
+          </p:cNvSpPr>
+          <p:nvPr>
+            <p:ph type="sldImg"/>
+          </p:nvPr>
+        </p:nvSpPr>
+        <p:spPr/>
+      </p:sp>
+      <p:sp>
+        <p:nvSpPr>
+          <p:cNvPr id="3" name="Notes Placeholder 2"/>
+          <p:cNvSpPr>
+            <a:spLocks noGrp="1"/>
+          </p:cNvSpPr>
+          <p:nvPr>
+            <p:ph type="body" idx="1"/>
+          </p:nvPr>
+        </p:nvSpPr>
+        <p:spPr/>
+        <p:txBody>
+          <a:bodyPr/>
+          <a:lstStyle/>
+          <a:p>
+            <a:r>
+              <a:rPr lang="en-US" dirty="0" err="1"/>
+              <a:t>Vraag</a:t>
+            </a:r>
+            <a:r>
+              <a:rPr lang="en-US" dirty="0"/>
+              <a:t> 4, </a:t>
+            </a:r>
+            <a:r>
+              <a:rPr lang="en-US" dirty="0" err="1"/>
+              <a:t>korte</a:t>
+            </a:r>
+            <a:r>
+              <a:rPr lang="en-US" dirty="0"/>
+              <a:t> </a:t>
+            </a:r>
+            <a:r>
+              <a:rPr lang="en-US" dirty="0" err="1"/>
+              <a:t>beschrijving</a:t>
+            </a:r>
+            <a:r>
+              <a:rPr lang="en-US" dirty="0"/>
+              <a:t> hoe </a:t>
+            </a:r>
+            <a:r>
+              <a:rPr lang="en-US" dirty="0" err="1"/>
+              <a:t>te</a:t>
+            </a:r>
+            <a:r>
+              <a:rPr lang="en-US" dirty="0"/>
+              <a:t> </a:t>
+            </a:r>
+            <a:r>
+              <a:rPr lang="en-US" dirty="0" err="1"/>
+              <a:t>werk</a:t>
+            </a:r>
+            <a:r>
+              <a:rPr lang="en-US" dirty="0"/>
+              <a:t> </a:t>
+            </a:r>
+            <a:r>
+              <a:rPr lang="en-US" dirty="0" err="1"/>
+              <a:t>gegaan</a:t>
+            </a:r>
+            <a:r>
+              <a:rPr lang="en-US" dirty="0"/>
+              <a:t>, wat het </a:t>
+            </a:r>
+            <a:r>
+              <a:rPr lang="en-US" dirty="0" err="1"/>
+              <a:t>geobserveerd</a:t>
+            </a:r>
+            <a:r>
+              <a:rPr lang="en-US" dirty="0"/>
+              <a:t> </a:t>
+            </a:r>
+            <a:r>
+              <a:rPr lang="en-US" dirty="0" err="1"/>
+              <a:t>verschil</a:t>
+            </a:r>
+            <a:r>
+              <a:rPr lang="en-US" dirty="0"/>
+              <a:t> is </a:t>
+            </a:r>
+            <a:r>
+              <a:rPr lang="en-US" dirty="0" err="1"/>
+              <a:t>en</a:t>
+            </a:r>
+            <a:r>
+              <a:rPr lang="en-US" dirty="0"/>
+              <a:t> hoe likely in </a:t>
+            </a:r>
+            <a:r>
+              <a:rPr lang="en-US" dirty="0" err="1"/>
+              <a:t>een</a:t>
+            </a:r>
+            <a:r>
+              <a:rPr lang="en-US" dirty="0"/>
+              <a:t> 0-distributie.</a:t>
+            </a:r>
+            <a:endParaRPr lang="en-BE" dirty="0"/>
+          </a:p>
+        </p:txBody>
+      </p:sp>
+      <p:sp>
+        <p:nvSpPr>
+          <p:cNvPr id="4" name="Slide Number Placeholder 3"/>
+          <p:cNvSpPr>
+            <a:spLocks noGrp="1"/>
+          </p:cNvSpPr>
+          <p:nvPr>
+            <p:ph type="sldNum" sz="quarter" idx="5"/>
+          </p:nvPr>
+        </p:nvSpPr>
+        <p:spPr/>
+        <p:txBody>
+          <a:bodyPr/>
+          <a:lstStyle/>
+          <a:p>
+            <a:fld id="{539A0A48-EDB1-4AFE-B1B7-10CE2A416496}" type="slidenum">
+              <a:rPr lang="en-GB" smtClean="0"/>
+              <a:t>7</a:t>
+            </a:fld>
+            <a:endParaRPr lang="en-GB"/>
+          </a:p>
+        </p:txBody>
+      </p:sp>
+    </p:spTree>
+    <p:extLst>
+      <p:ext uri="{BB962C8B-B14F-4D97-AF65-F5344CB8AC3E}">
+        <p14:creationId xmlns:p14="http://schemas.microsoft.com/office/powerpoint/2010/main" val="2496256027"/>
+      </p:ext>
+    </p:extLst>
+  </p:cSld>
+  <p:clrMapOvr>
+    <a:masterClrMapping/>
+  </p:clrMapOvr>
+</p:notes>
+</file>
+
 <file path=ppt/slideLayouts/slideLayout1.xml><?xml version="1.0" encoding="utf-8"?>
 <p:sldLayout xmlns:a="http://schemas.openxmlformats.org/drawingml/2006/main" xmlns:r="http://schemas.openxmlformats.org/officeDocument/2006/relationships" xmlns:p="http://schemas.openxmlformats.org/presentationml/2006/main" showMasterSp="0" type="blank" preserve="1">
   <p:cSld name="Corporate Logo">
@@ -921,7 +1085,7 @@
           <a:p>
             <a:fld id="{50464F84-246C-4657-8172-1E2969D0F603}" type="datetime1">
               <a:rPr lang="en-GB" smtClean="0"/>
-              <a:t>14/12/2018</a:t>
+              <a:t>16/12/2018</a:t>
             </a:fld>
             <a:endParaRPr lang="en-GB"/>
           </a:p>
@@ -1861,7 +2025,7 @@
           <a:p>
             <a:fld id="{4FCCCAF6-1686-4743-9124-83F33F1A0EA9}" type="datetime1">
               <a:rPr lang="en-GB" noProof="0" smtClean="0"/>
-              <a:t>14/12/2018</a:t>
+              <a:t>16/12/2018</a:t>
             </a:fld>
             <a:endParaRPr lang="en-GB" noProof="0" dirty="0"/>
           </a:p>
@@ -1979,7 +2143,7 @@
           <a:p>
             <a:fld id="{B86ADBF0-A618-4E69-83BB-0C41E08702AA}" type="datetime1">
               <a:rPr lang="en-GB" noProof="0" smtClean="0"/>
-              <a:t>14/12/2018</a:t>
+              <a:t>16/12/2018</a:t>
             </a:fld>
             <a:endParaRPr lang="en-GB" noProof="0" dirty="0"/>
           </a:p>
@@ -2239,7 +2403,7 @@
           <a:p>
             <a:fld id="{F2443E58-CDC3-4782-B82C-4D381C795B98}" type="datetime1">
               <a:rPr lang="en-GB" noProof="0" smtClean="0"/>
-              <a:t>14/12/2018</a:t>
+              <a:t>16/12/2018</a:t>
             </a:fld>
             <a:endParaRPr lang="en-GB" noProof="0" dirty="0"/>
           </a:p>
@@ -2379,7 +2543,7 @@
           <a:p>
             <a:fld id="{3D3465D1-804F-429B-83CD-3EFA8410E123}" type="datetime1">
               <a:rPr lang="en-GB" smtClean="0"/>
-              <a:t>14/12/2018</a:t>
+              <a:t>16/12/2018</a:t>
             </a:fld>
             <a:endParaRPr lang="en-GB"/>
           </a:p>
@@ -2895,7 +3059,7 @@
           <a:p>
             <a:fld id="{434BA3CA-1064-434F-B179-AB3B0298C0D6}" type="datetime1">
               <a:rPr lang="en-GB" noProof="0" smtClean="0"/>
-              <a:t>14/12/2018</a:t>
+              <a:t>16/12/2018</a:t>
             </a:fld>
             <a:endParaRPr lang="en-GB" noProof="0" dirty="0"/>
           </a:p>
@@ -3783,7 +3947,7 @@
         <p:spPr/>
         <p:txBody>
           <a:bodyPr>
-            <a:normAutofit lnSpcReduction="10000"/>
+            <a:normAutofit/>
           </a:bodyPr>
           <a:lstStyle/>
           <a:p>
@@ -3792,7 +3956,7 @@
               <a:buChar char="•"/>
             </a:pPr>
             <a:r>
-              <a:rPr lang="en-US" dirty="0"/>
+              <a:rPr lang="en-US" sz="3600" dirty="0"/>
               <a:t>No missing data</a:t>
             </a:r>
           </a:p>
@@ -3802,7 +3966,7 @@
               <a:buChar char="•"/>
             </a:pPr>
             <a:r>
-              <a:rPr lang="en-US" dirty="0"/>
+              <a:rPr lang="en-US" sz="3600" dirty="0"/>
               <a:t>No duplicates</a:t>
             </a:r>
           </a:p>
@@ -3812,7 +3976,7 @@
               <a:buChar char="•"/>
             </a:pPr>
             <a:r>
-              <a:rPr lang="en-US" dirty="0"/>
+              <a:rPr lang="en-US" sz="3600" dirty="0"/>
               <a:t>Suspicious values</a:t>
             </a:r>
           </a:p>
@@ -3822,7 +3986,7 @@
               <a:buChar char="Ø"/>
             </a:pPr>
             <a:r>
-              <a:rPr lang="en-US" dirty="0"/>
+              <a:rPr lang="en-US" sz="3600" dirty="0"/>
               <a:t>1 observation removed</a:t>
             </a:r>
           </a:p>
@@ -3832,7 +3996,7 @@
               <a:buChar char="•"/>
             </a:pPr>
             <a:r>
-              <a:rPr lang="en-US" dirty="0"/>
+              <a:rPr lang="en-US" sz="3600" dirty="0"/>
               <a:t>Non-adherence to treatment</a:t>
             </a:r>
           </a:p>
@@ -3842,7 +4006,7 @@
               <a:buChar char="Ø"/>
             </a:pPr>
             <a:r>
-              <a:rPr lang="en-US" dirty="0"/>
+              <a:rPr lang="en-US" sz="3600" dirty="0"/>
               <a:t>80 % cut-off*</a:t>
             </a:r>
           </a:p>
@@ -3852,7 +4016,7 @@
               <a:buChar char="Ø"/>
             </a:pPr>
             <a:r>
-              <a:rPr lang="en-US" dirty="0"/>
+              <a:rPr lang="en-US" sz="3600" dirty="0"/>
               <a:t>29 observations removed</a:t>
             </a:r>
           </a:p>
@@ -3862,7 +4026,7 @@
               <a:buChar char="Ø"/>
             </a:pPr>
             <a:r>
-              <a:rPr lang="en-US" dirty="0"/>
+              <a:rPr lang="en-US" sz="3600" dirty="0"/>
               <a:t>Selection bias</a:t>
             </a:r>
           </a:p>
@@ -4831,12 +4995,8 @@
           <a:lstStyle/>
           <a:p>
             <a:r>
-              <a:rPr lang="en-US" dirty="0" err="1"/>
-              <a:t>Discriptive</a:t>
-            </a:r>
-            <a:r>
               <a:rPr lang="en-US" dirty="0"/>
-              <a:t> analysis</a:t>
+              <a:t>Descriptive analysis</a:t>
             </a:r>
           </a:p>
         </p:txBody>
@@ -4873,10 +5033,10 @@
       </p:pic>
       <p:pic>
         <p:nvPicPr>
-          <p:cNvPr id="9" name="Picture 8">
+          <p:cNvPr id="3" name="Picture 2">
             <a:extLst>
               <a:ext uri="{FF2B5EF4-FFF2-40B4-BE49-F238E27FC236}">
-                <a16:creationId xmlns:a16="http://schemas.microsoft.com/office/drawing/2014/main" id="{25514A63-C512-4FB2-B450-0CE6A75599A6}"/>
+                <a16:creationId xmlns:a16="http://schemas.microsoft.com/office/drawing/2014/main" id="{0F23D50C-09D3-4BC1-9598-61058EA8FBC8}"/>
               </a:ext>
             </a:extLst>
           </p:cNvPr>
@@ -4893,8 +5053,8 @@
         </p:blipFill>
         <p:spPr>
           <a:xfrm>
-            <a:off x="7826567" y="1904560"/>
-            <a:ext cx="9333334" cy="5760000"/>
+            <a:off x="8002355" y="2118600"/>
+            <a:ext cx="8938610" cy="5516399"/>
           </a:xfrm>
           <a:prstGeom prst="rect">
             <a:avLst/>
@@ -5409,15 +5569,772 @@
             <p:ph idx="1"/>
           </p:nvPr>
         </p:nvSpPr>
-        <p:spPr/>
-        <p:txBody>
-          <a:bodyPr/>
+        <p:spPr>
+          <a:xfrm>
+            <a:off x="835825" y="1194364"/>
+            <a:ext cx="15699575" cy="1377386"/>
+          </a:xfrm>
+        </p:spPr>
+        <p:txBody>
+          <a:bodyPr>
+            <a:normAutofit/>
+          </a:bodyPr>
           <a:lstStyle/>
           <a:p>
-            <a:endParaRPr lang="en-US"/>
-          </a:p>
-        </p:txBody>
-      </p:sp>
+            <a:r>
+              <a:rPr lang="en-US" sz="3200" b="1" dirty="0"/>
+              <a:t>Binary indicator of whether (dbp5-dbp3)&lt;10mmHg between the 2 treatment arms.</a:t>
+            </a:r>
+          </a:p>
+        </p:txBody>
+      </p:sp>
+      <p:pic>
+        <p:nvPicPr>
+          <p:cNvPr id="4" name="Picture 3">
+            <a:extLst>
+              <a:ext uri="{FF2B5EF4-FFF2-40B4-BE49-F238E27FC236}">
+                <a16:creationId xmlns:a16="http://schemas.microsoft.com/office/drawing/2014/main" id="{3B2C23B2-91CC-4288-BB74-7BEDE0E98668}"/>
+              </a:ext>
+            </a:extLst>
+          </p:cNvPr>
+          <p:cNvPicPr>
+            <a:picLocks noChangeAspect="1"/>
+          </p:cNvPicPr>
+          <p:nvPr/>
+        </p:nvPicPr>
+        <p:blipFill>
+          <a:blip r:embed="rId3"/>
+          <a:stretch>
+            <a:fillRect/>
+          </a:stretch>
+        </p:blipFill>
+        <p:spPr>
+          <a:xfrm>
+            <a:off x="9124950" y="2284261"/>
+            <a:ext cx="7073100" cy="4365114"/>
+          </a:xfrm>
+          <a:prstGeom prst="rect">
+            <a:avLst/>
+          </a:prstGeom>
+        </p:spPr>
+      </p:pic>
+      <p:sp>
+        <p:nvSpPr>
+          <p:cNvPr id="5" name="Content Placeholder 3">
+            <a:extLst>
+              <a:ext uri="{FF2B5EF4-FFF2-40B4-BE49-F238E27FC236}">
+                <a16:creationId xmlns:a16="http://schemas.microsoft.com/office/drawing/2014/main" id="{818B32D4-5CE7-42DD-90F9-3F6590288268}"/>
+              </a:ext>
+            </a:extLst>
+          </p:cNvPr>
+          <p:cNvSpPr txBox="1">
+            <a:spLocks/>
+          </p:cNvSpPr>
+          <p:nvPr/>
+        </p:nvSpPr>
+        <p:spPr>
+          <a:xfrm>
+            <a:off x="803275" y="2921575"/>
+            <a:ext cx="7700406" cy="6696000"/>
+          </a:xfrm>
+          <a:prstGeom prst="rect">
+            <a:avLst/>
+          </a:prstGeom>
+        </p:spPr>
+        <p:txBody>
+          <a:bodyPr vert="horz" lIns="91440" tIns="45720" rIns="91440" bIns="45720" rtlCol="0">
+            <a:normAutofit/>
+          </a:bodyPr>
+          <a:lstStyle>
+            <a:lvl1pPr marL="536400" indent="-450000" algn="l" defTabSz="457200" rtl="0" eaLnBrk="1" latinLnBrk="0" hangingPunct="1">
+              <a:lnSpc>
+                <a:spcPct val="120000"/>
+              </a:lnSpc>
+              <a:spcBef>
+                <a:spcPts val="0"/>
+              </a:spcBef>
+              <a:buFont typeface="Arial" panose="020B0604020202020204" pitchFamily="34" charset="0"/>
+              <a:buChar char="̶"/>
+              <a:defRPr sz="4800" kern="1200">
+                <a:solidFill>
+                  <a:schemeClr val="tx1"/>
+                </a:solidFill>
+                <a:latin typeface="+mn-lt"/>
+                <a:ea typeface="+mn-ea"/>
+                <a:cs typeface="+mn-cs"/>
+              </a:defRPr>
+            </a:lvl1pPr>
+            <a:lvl2pPr marL="1170000" indent="-450000" algn="l" defTabSz="457200" rtl="0" eaLnBrk="1" latinLnBrk="0" hangingPunct="1">
+              <a:lnSpc>
+                <a:spcPct val="120000"/>
+              </a:lnSpc>
+              <a:spcBef>
+                <a:spcPts val="0"/>
+              </a:spcBef>
+              <a:buFont typeface="Arial" panose="020B0604020202020204" pitchFamily="34" charset="0"/>
+              <a:buChar char="̶"/>
+              <a:tabLst/>
+              <a:defRPr sz="4800" kern="1200">
+                <a:solidFill>
+                  <a:schemeClr val="tx1"/>
+                </a:solidFill>
+                <a:latin typeface="+mn-lt"/>
+                <a:ea typeface="+mn-ea"/>
+                <a:cs typeface="+mn-cs"/>
+              </a:defRPr>
+            </a:lvl2pPr>
+            <a:lvl3pPr marL="1756800" indent="-450000" algn="l" defTabSz="457200" rtl="0" eaLnBrk="1" latinLnBrk="0" hangingPunct="1">
+              <a:lnSpc>
+                <a:spcPct val="120000"/>
+              </a:lnSpc>
+              <a:spcBef>
+                <a:spcPts val="0"/>
+              </a:spcBef>
+              <a:buFont typeface="Arial" panose="020B0604020202020204" pitchFamily="34" charset="0"/>
+              <a:buChar char="‒"/>
+              <a:defRPr sz="4800" kern="1200">
+                <a:solidFill>
+                  <a:schemeClr val="tx1"/>
+                </a:solidFill>
+                <a:latin typeface="+mn-lt"/>
+                <a:ea typeface="+mn-ea"/>
+                <a:cs typeface="+mn-cs"/>
+              </a:defRPr>
+            </a:lvl3pPr>
+            <a:lvl4pPr marL="2329200" indent="-550800" algn="l" defTabSz="457200" rtl="0" eaLnBrk="1" latinLnBrk="0" hangingPunct="1">
+              <a:lnSpc>
+                <a:spcPct val="120000"/>
+              </a:lnSpc>
+              <a:spcBef>
+                <a:spcPts val="0"/>
+              </a:spcBef>
+              <a:buFont typeface="Arial" panose="020B0604020202020204" pitchFamily="34" charset="0"/>
+              <a:buChar char="‒"/>
+              <a:defRPr sz="4800" kern="1200">
+                <a:solidFill>
+                  <a:schemeClr val="tx1"/>
+                </a:solidFill>
+                <a:latin typeface="+mn-lt"/>
+                <a:ea typeface="+mn-ea"/>
+                <a:cs typeface="+mn-cs"/>
+              </a:defRPr>
+            </a:lvl4pPr>
+            <a:lvl5pPr marL="2962800" indent="-442800" algn="l" defTabSz="457200" rtl="0" eaLnBrk="1" latinLnBrk="0" hangingPunct="1">
+              <a:lnSpc>
+                <a:spcPct val="120000"/>
+              </a:lnSpc>
+              <a:spcBef>
+                <a:spcPts val="0"/>
+              </a:spcBef>
+              <a:buFont typeface="Arial" panose="020B0604020202020204" pitchFamily="34" charset="0"/>
+              <a:buChar char="̶"/>
+              <a:defRPr sz="4800" kern="1200">
+                <a:solidFill>
+                  <a:schemeClr val="tx1"/>
+                </a:solidFill>
+                <a:latin typeface="+mn-lt"/>
+                <a:ea typeface="+mn-ea"/>
+                <a:cs typeface="+mn-cs"/>
+              </a:defRPr>
+            </a:lvl5pPr>
+            <a:lvl6pPr marL="3576013" indent="-325092" algn="l" defTabSz="1300368" rtl="0" eaLnBrk="1" latinLnBrk="0" hangingPunct="1">
+              <a:lnSpc>
+                <a:spcPct val="90000"/>
+              </a:lnSpc>
+              <a:spcBef>
+                <a:spcPts val="711"/>
+              </a:spcBef>
+              <a:buFont typeface="Arial" panose="020B0604020202020204" pitchFamily="34" charset="0"/>
+              <a:buChar char="•"/>
+              <a:defRPr sz="2560" kern="1200">
+                <a:solidFill>
+                  <a:schemeClr val="tx1"/>
+                </a:solidFill>
+                <a:latin typeface="+mn-lt"/>
+                <a:ea typeface="+mn-ea"/>
+                <a:cs typeface="+mn-cs"/>
+              </a:defRPr>
+            </a:lvl6pPr>
+            <a:lvl7pPr marL="4226197" indent="-325092" algn="l" defTabSz="1300368" rtl="0" eaLnBrk="1" latinLnBrk="0" hangingPunct="1">
+              <a:lnSpc>
+                <a:spcPct val="90000"/>
+              </a:lnSpc>
+              <a:spcBef>
+                <a:spcPts val="711"/>
+              </a:spcBef>
+              <a:buFont typeface="Arial" panose="020B0604020202020204" pitchFamily="34" charset="0"/>
+              <a:buChar char="•"/>
+              <a:defRPr sz="2560" kern="1200">
+                <a:solidFill>
+                  <a:schemeClr val="tx1"/>
+                </a:solidFill>
+                <a:latin typeface="+mn-lt"/>
+                <a:ea typeface="+mn-ea"/>
+                <a:cs typeface="+mn-cs"/>
+              </a:defRPr>
+            </a:lvl7pPr>
+            <a:lvl8pPr marL="4876381" indent="-325092" algn="l" defTabSz="1300368" rtl="0" eaLnBrk="1" latinLnBrk="0" hangingPunct="1">
+              <a:lnSpc>
+                <a:spcPct val="90000"/>
+              </a:lnSpc>
+              <a:spcBef>
+                <a:spcPts val="711"/>
+              </a:spcBef>
+              <a:buFont typeface="Arial" panose="020B0604020202020204" pitchFamily="34" charset="0"/>
+              <a:buChar char="•"/>
+              <a:defRPr sz="2560" kern="1200">
+                <a:solidFill>
+                  <a:schemeClr val="tx1"/>
+                </a:solidFill>
+                <a:latin typeface="+mn-lt"/>
+                <a:ea typeface="+mn-ea"/>
+                <a:cs typeface="+mn-cs"/>
+              </a:defRPr>
+            </a:lvl8pPr>
+            <a:lvl9pPr marL="5526565" indent="-325092" algn="l" defTabSz="1300368" rtl="0" eaLnBrk="1" latinLnBrk="0" hangingPunct="1">
+              <a:lnSpc>
+                <a:spcPct val="90000"/>
+              </a:lnSpc>
+              <a:spcBef>
+                <a:spcPts val="711"/>
+              </a:spcBef>
+              <a:buFont typeface="Arial" panose="020B0604020202020204" pitchFamily="34" charset="0"/>
+              <a:buChar char="•"/>
+              <a:defRPr sz="2560" kern="1200">
+                <a:solidFill>
+                  <a:schemeClr val="tx1"/>
+                </a:solidFill>
+                <a:latin typeface="+mn-lt"/>
+                <a:ea typeface="+mn-ea"/>
+                <a:cs typeface="+mn-cs"/>
+              </a:defRPr>
+            </a:lvl9pPr>
+          </a:lstStyle>
+          <a:p>
+            <a:r>
+              <a:rPr lang="en-US" sz="3200" dirty="0"/>
+              <a:t>Only 2 proportions observed</a:t>
+            </a:r>
+          </a:p>
+          <a:p>
+            <a:r>
+              <a:rPr lang="en-US" sz="3200" dirty="0"/>
+              <a:t>Normal distribution not to be assumed</a:t>
+            </a:r>
+          </a:p>
+          <a:p>
+            <a:r>
+              <a:rPr lang="en-US" sz="3200" dirty="0"/>
+              <a:t>Create own distribution: assign all the observed values randomly to 2 even groups. Simulate 10000 times</a:t>
+            </a:r>
+          </a:p>
+          <a:p>
+            <a:r>
+              <a:rPr lang="en-US" sz="3200" dirty="0"/>
+              <a:t>In total only 6 ‘0’s for both groups</a:t>
+            </a:r>
+          </a:p>
+          <a:p>
+            <a:r>
+              <a:rPr lang="en-US" sz="3200" dirty="0"/>
+              <a:t>Scarce distribution</a:t>
+            </a:r>
+          </a:p>
+          <a:p>
+            <a:r>
+              <a:rPr lang="en-US" sz="3200" dirty="0"/>
+              <a:t>Observed proportional difference in 0 distribution only 1,49% likely</a:t>
+            </a:r>
+          </a:p>
+          <a:p>
+            <a:endParaRPr lang="en-US" sz="3200" dirty="0"/>
+          </a:p>
+        </p:txBody>
+      </p:sp>
+      <p:pic>
+        <p:nvPicPr>
+          <p:cNvPr id="7" name="Picture 6">
+            <a:extLst>
+              <a:ext uri="{FF2B5EF4-FFF2-40B4-BE49-F238E27FC236}">
+                <a16:creationId xmlns:a16="http://schemas.microsoft.com/office/drawing/2014/main" id="{19F236F7-64A4-48FE-8652-51FA0CDEED5B}"/>
+              </a:ext>
+            </a:extLst>
+          </p:cNvPr>
+          <p:cNvPicPr>
+            <a:picLocks noChangeAspect="1"/>
+          </p:cNvPicPr>
+          <p:nvPr/>
+        </p:nvPicPr>
+        <p:blipFill>
+          <a:blip r:embed="rId4"/>
+          <a:stretch>
+            <a:fillRect/>
+          </a:stretch>
+        </p:blipFill>
+        <p:spPr>
+          <a:xfrm>
+            <a:off x="1828798" y="8306204"/>
+            <a:ext cx="6106560" cy="1047346"/>
+          </a:xfrm>
+          <a:prstGeom prst="rect">
+            <a:avLst/>
+          </a:prstGeom>
+        </p:spPr>
+      </p:pic>
+      <p:sp>
+        <p:nvSpPr>
+          <p:cNvPr id="9" name="Content Placeholder 3">
+            <a:extLst>
+              <a:ext uri="{FF2B5EF4-FFF2-40B4-BE49-F238E27FC236}">
+                <a16:creationId xmlns:a16="http://schemas.microsoft.com/office/drawing/2014/main" id="{310A0498-512A-45A4-8C51-367F01EC8A97}"/>
+              </a:ext>
+            </a:extLst>
+          </p:cNvPr>
+          <p:cNvSpPr txBox="1">
+            <a:spLocks/>
+          </p:cNvSpPr>
+          <p:nvPr/>
+        </p:nvSpPr>
+        <p:spPr>
+          <a:xfrm>
+            <a:off x="8080375" y="6038850"/>
+            <a:ext cx="7700406" cy="2267354"/>
+          </a:xfrm>
+          <a:prstGeom prst="rect">
+            <a:avLst/>
+          </a:prstGeom>
+        </p:spPr>
+        <p:txBody>
+          <a:bodyPr vert="horz" lIns="91440" tIns="45720" rIns="91440" bIns="45720" rtlCol="0">
+            <a:normAutofit/>
+          </a:bodyPr>
+          <a:lstStyle>
+            <a:lvl1pPr marL="536400" indent="-450000" algn="l" defTabSz="457200" rtl="0" eaLnBrk="1" latinLnBrk="0" hangingPunct="1">
+              <a:lnSpc>
+                <a:spcPct val="120000"/>
+              </a:lnSpc>
+              <a:spcBef>
+                <a:spcPts val="0"/>
+              </a:spcBef>
+              <a:buFont typeface="Arial" panose="020B0604020202020204" pitchFamily="34" charset="0"/>
+              <a:buChar char="̶"/>
+              <a:defRPr sz="4800" kern="1200">
+                <a:solidFill>
+                  <a:schemeClr val="tx1"/>
+                </a:solidFill>
+                <a:latin typeface="+mn-lt"/>
+                <a:ea typeface="+mn-ea"/>
+                <a:cs typeface="+mn-cs"/>
+              </a:defRPr>
+            </a:lvl1pPr>
+            <a:lvl2pPr marL="1170000" indent="-450000" algn="l" defTabSz="457200" rtl="0" eaLnBrk="1" latinLnBrk="0" hangingPunct="1">
+              <a:lnSpc>
+                <a:spcPct val="120000"/>
+              </a:lnSpc>
+              <a:spcBef>
+                <a:spcPts val="0"/>
+              </a:spcBef>
+              <a:buFont typeface="Arial" panose="020B0604020202020204" pitchFamily="34" charset="0"/>
+              <a:buChar char="̶"/>
+              <a:tabLst/>
+              <a:defRPr sz="4800" kern="1200">
+                <a:solidFill>
+                  <a:schemeClr val="tx1"/>
+                </a:solidFill>
+                <a:latin typeface="+mn-lt"/>
+                <a:ea typeface="+mn-ea"/>
+                <a:cs typeface="+mn-cs"/>
+              </a:defRPr>
+            </a:lvl2pPr>
+            <a:lvl3pPr marL="1756800" indent="-450000" algn="l" defTabSz="457200" rtl="0" eaLnBrk="1" latinLnBrk="0" hangingPunct="1">
+              <a:lnSpc>
+                <a:spcPct val="120000"/>
+              </a:lnSpc>
+              <a:spcBef>
+                <a:spcPts val="0"/>
+              </a:spcBef>
+              <a:buFont typeface="Arial" panose="020B0604020202020204" pitchFamily="34" charset="0"/>
+              <a:buChar char="‒"/>
+              <a:defRPr sz="4800" kern="1200">
+                <a:solidFill>
+                  <a:schemeClr val="tx1"/>
+                </a:solidFill>
+                <a:latin typeface="+mn-lt"/>
+                <a:ea typeface="+mn-ea"/>
+                <a:cs typeface="+mn-cs"/>
+              </a:defRPr>
+            </a:lvl3pPr>
+            <a:lvl4pPr marL="2329200" indent="-550800" algn="l" defTabSz="457200" rtl="0" eaLnBrk="1" latinLnBrk="0" hangingPunct="1">
+              <a:lnSpc>
+                <a:spcPct val="120000"/>
+              </a:lnSpc>
+              <a:spcBef>
+                <a:spcPts val="0"/>
+              </a:spcBef>
+              <a:buFont typeface="Arial" panose="020B0604020202020204" pitchFamily="34" charset="0"/>
+              <a:buChar char="‒"/>
+              <a:defRPr sz="4800" kern="1200">
+                <a:solidFill>
+                  <a:schemeClr val="tx1"/>
+                </a:solidFill>
+                <a:latin typeface="+mn-lt"/>
+                <a:ea typeface="+mn-ea"/>
+                <a:cs typeface="+mn-cs"/>
+              </a:defRPr>
+            </a:lvl4pPr>
+            <a:lvl5pPr marL="2962800" indent="-442800" algn="l" defTabSz="457200" rtl="0" eaLnBrk="1" latinLnBrk="0" hangingPunct="1">
+              <a:lnSpc>
+                <a:spcPct val="120000"/>
+              </a:lnSpc>
+              <a:spcBef>
+                <a:spcPts val="0"/>
+              </a:spcBef>
+              <a:buFont typeface="Arial" panose="020B0604020202020204" pitchFamily="34" charset="0"/>
+              <a:buChar char="̶"/>
+              <a:defRPr sz="4800" kern="1200">
+                <a:solidFill>
+                  <a:schemeClr val="tx1"/>
+                </a:solidFill>
+                <a:latin typeface="+mn-lt"/>
+                <a:ea typeface="+mn-ea"/>
+                <a:cs typeface="+mn-cs"/>
+              </a:defRPr>
+            </a:lvl5pPr>
+            <a:lvl6pPr marL="3576013" indent="-325092" algn="l" defTabSz="1300368" rtl="0" eaLnBrk="1" latinLnBrk="0" hangingPunct="1">
+              <a:lnSpc>
+                <a:spcPct val="90000"/>
+              </a:lnSpc>
+              <a:spcBef>
+                <a:spcPts val="711"/>
+              </a:spcBef>
+              <a:buFont typeface="Arial" panose="020B0604020202020204" pitchFamily="34" charset="0"/>
+              <a:buChar char="•"/>
+              <a:defRPr sz="2560" kern="1200">
+                <a:solidFill>
+                  <a:schemeClr val="tx1"/>
+                </a:solidFill>
+                <a:latin typeface="+mn-lt"/>
+                <a:ea typeface="+mn-ea"/>
+                <a:cs typeface="+mn-cs"/>
+              </a:defRPr>
+            </a:lvl6pPr>
+            <a:lvl7pPr marL="4226197" indent="-325092" algn="l" defTabSz="1300368" rtl="0" eaLnBrk="1" latinLnBrk="0" hangingPunct="1">
+              <a:lnSpc>
+                <a:spcPct val="90000"/>
+              </a:lnSpc>
+              <a:spcBef>
+                <a:spcPts val="711"/>
+              </a:spcBef>
+              <a:buFont typeface="Arial" panose="020B0604020202020204" pitchFamily="34" charset="0"/>
+              <a:buChar char="•"/>
+              <a:defRPr sz="2560" kern="1200">
+                <a:solidFill>
+                  <a:schemeClr val="tx1"/>
+                </a:solidFill>
+                <a:latin typeface="+mn-lt"/>
+                <a:ea typeface="+mn-ea"/>
+                <a:cs typeface="+mn-cs"/>
+              </a:defRPr>
+            </a:lvl7pPr>
+            <a:lvl8pPr marL="4876381" indent="-325092" algn="l" defTabSz="1300368" rtl="0" eaLnBrk="1" latinLnBrk="0" hangingPunct="1">
+              <a:lnSpc>
+                <a:spcPct val="90000"/>
+              </a:lnSpc>
+              <a:spcBef>
+                <a:spcPts val="711"/>
+              </a:spcBef>
+              <a:buFont typeface="Arial" panose="020B0604020202020204" pitchFamily="34" charset="0"/>
+              <a:buChar char="•"/>
+              <a:defRPr sz="2560" kern="1200">
+                <a:solidFill>
+                  <a:schemeClr val="tx1"/>
+                </a:solidFill>
+                <a:latin typeface="+mn-lt"/>
+                <a:ea typeface="+mn-ea"/>
+                <a:cs typeface="+mn-cs"/>
+              </a:defRPr>
+            </a:lvl8pPr>
+            <a:lvl9pPr marL="5526565" indent="-325092" algn="l" defTabSz="1300368" rtl="0" eaLnBrk="1" latinLnBrk="0" hangingPunct="1">
+              <a:lnSpc>
+                <a:spcPct val="90000"/>
+              </a:lnSpc>
+              <a:spcBef>
+                <a:spcPts val="711"/>
+              </a:spcBef>
+              <a:buFont typeface="Arial" panose="020B0604020202020204" pitchFamily="34" charset="0"/>
+              <a:buChar char="•"/>
+              <a:defRPr sz="2560" kern="1200">
+                <a:solidFill>
+                  <a:schemeClr val="tx1"/>
+                </a:solidFill>
+                <a:latin typeface="+mn-lt"/>
+                <a:ea typeface="+mn-ea"/>
+                <a:cs typeface="+mn-cs"/>
+              </a:defRPr>
+            </a:lvl9pPr>
+          </a:lstStyle>
+          <a:p>
+            <a:endParaRPr lang="en-US" sz="3200" dirty="0"/>
+          </a:p>
+        </p:txBody>
+      </p:sp>
+      <p:sp>
+        <p:nvSpPr>
+          <p:cNvPr id="10" name="Content Placeholder 3">
+            <a:extLst>
+              <a:ext uri="{FF2B5EF4-FFF2-40B4-BE49-F238E27FC236}">
+                <a16:creationId xmlns:a16="http://schemas.microsoft.com/office/drawing/2014/main" id="{7E9455BF-9477-4BF9-B583-A48E9CB5A342}"/>
+              </a:ext>
+            </a:extLst>
+          </p:cNvPr>
+          <p:cNvSpPr txBox="1">
+            <a:spLocks/>
+          </p:cNvSpPr>
+          <p:nvPr/>
+        </p:nvSpPr>
+        <p:spPr>
+          <a:xfrm>
+            <a:off x="9318625" y="6649375"/>
+            <a:ext cx="7700406" cy="6696000"/>
+          </a:xfrm>
+          <a:prstGeom prst="rect">
+            <a:avLst/>
+          </a:prstGeom>
+        </p:spPr>
+        <p:txBody>
+          <a:bodyPr vert="horz" lIns="91440" tIns="45720" rIns="91440" bIns="45720" rtlCol="0">
+            <a:normAutofit/>
+          </a:bodyPr>
+          <a:lstStyle>
+            <a:lvl1pPr marL="536400" indent="-450000" algn="l" defTabSz="457200" rtl="0" eaLnBrk="1" latinLnBrk="0" hangingPunct="1">
+              <a:lnSpc>
+                <a:spcPct val="120000"/>
+              </a:lnSpc>
+              <a:spcBef>
+                <a:spcPts val="0"/>
+              </a:spcBef>
+              <a:buFont typeface="Arial" panose="020B0604020202020204" pitchFamily="34" charset="0"/>
+              <a:buChar char="̶"/>
+              <a:defRPr sz="4800" kern="1200">
+                <a:solidFill>
+                  <a:schemeClr val="tx1"/>
+                </a:solidFill>
+                <a:latin typeface="+mn-lt"/>
+                <a:ea typeface="+mn-ea"/>
+                <a:cs typeface="+mn-cs"/>
+              </a:defRPr>
+            </a:lvl1pPr>
+            <a:lvl2pPr marL="1170000" indent="-450000" algn="l" defTabSz="457200" rtl="0" eaLnBrk="1" latinLnBrk="0" hangingPunct="1">
+              <a:lnSpc>
+                <a:spcPct val="120000"/>
+              </a:lnSpc>
+              <a:spcBef>
+                <a:spcPts val="0"/>
+              </a:spcBef>
+              <a:buFont typeface="Arial" panose="020B0604020202020204" pitchFamily="34" charset="0"/>
+              <a:buChar char="̶"/>
+              <a:tabLst/>
+              <a:defRPr sz="4800" kern="1200">
+                <a:solidFill>
+                  <a:schemeClr val="tx1"/>
+                </a:solidFill>
+                <a:latin typeface="+mn-lt"/>
+                <a:ea typeface="+mn-ea"/>
+                <a:cs typeface="+mn-cs"/>
+              </a:defRPr>
+            </a:lvl2pPr>
+            <a:lvl3pPr marL="1756800" indent="-450000" algn="l" defTabSz="457200" rtl="0" eaLnBrk="1" latinLnBrk="0" hangingPunct="1">
+              <a:lnSpc>
+                <a:spcPct val="120000"/>
+              </a:lnSpc>
+              <a:spcBef>
+                <a:spcPts val="0"/>
+              </a:spcBef>
+              <a:buFont typeface="Arial" panose="020B0604020202020204" pitchFamily="34" charset="0"/>
+              <a:buChar char="‒"/>
+              <a:defRPr sz="4800" kern="1200">
+                <a:solidFill>
+                  <a:schemeClr val="tx1"/>
+                </a:solidFill>
+                <a:latin typeface="+mn-lt"/>
+                <a:ea typeface="+mn-ea"/>
+                <a:cs typeface="+mn-cs"/>
+              </a:defRPr>
+            </a:lvl3pPr>
+            <a:lvl4pPr marL="2329200" indent="-550800" algn="l" defTabSz="457200" rtl="0" eaLnBrk="1" latinLnBrk="0" hangingPunct="1">
+              <a:lnSpc>
+                <a:spcPct val="120000"/>
+              </a:lnSpc>
+              <a:spcBef>
+                <a:spcPts val="0"/>
+              </a:spcBef>
+              <a:buFont typeface="Arial" panose="020B0604020202020204" pitchFamily="34" charset="0"/>
+              <a:buChar char="‒"/>
+              <a:defRPr sz="4800" kern="1200">
+                <a:solidFill>
+                  <a:schemeClr val="tx1"/>
+                </a:solidFill>
+                <a:latin typeface="+mn-lt"/>
+                <a:ea typeface="+mn-ea"/>
+                <a:cs typeface="+mn-cs"/>
+              </a:defRPr>
+            </a:lvl4pPr>
+            <a:lvl5pPr marL="2962800" indent="-442800" algn="l" defTabSz="457200" rtl="0" eaLnBrk="1" latinLnBrk="0" hangingPunct="1">
+              <a:lnSpc>
+                <a:spcPct val="120000"/>
+              </a:lnSpc>
+              <a:spcBef>
+                <a:spcPts val="0"/>
+              </a:spcBef>
+              <a:buFont typeface="Arial" panose="020B0604020202020204" pitchFamily="34" charset="0"/>
+              <a:buChar char="̶"/>
+              <a:defRPr sz="4800" kern="1200">
+                <a:solidFill>
+                  <a:schemeClr val="tx1"/>
+                </a:solidFill>
+                <a:latin typeface="+mn-lt"/>
+                <a:ea typeface="+mn-ea"/>
+                <a:cs typeface="+mn-cs"/>
+              </a:defRPr>
+            </a:lvl5pPr>
+            <a:lvl6pPr marL="3576013" indent="-325092" algn="l" defTabSz="1300368" rtl="0" eaLnBrk="1" latinLnBrk="0" hangingPunct="1">
+              <a:lnSpc>
+                <a:spcPct val="90000"/>
+              </a:lnSpc>
+              <a:spcBef>
+                <a:spcPts val="711"/>
+              </a:spcBef>
+              <a:buFont typeface="Arial" panose="020B0604020202020204" pitchFamily="34" charset="0"/>
+              <a:buChar char="•"/>
+              <a:defRPr sz="2560" kern="1200">
+                <a:solidFill>
+                  <a:schemeClr val="tx1"/>
+                </a:solidFill>
+                <a:latin typeface="+mn-lt"/>
+                <a:ea typeface="+mn-ea"/>
+                <a:cs typeface="+mn-cs"/>
+              </a:defRPr>
+            </a:lvl6pPr>
+            <a:lvl7pPr marL="4226197" indent="-325092" algn="l" defTabSz="1300368" rtl="0" eaLnBrk="1" latinLnBrk="0" hangingPunct="1">
+              <a:lnSpc>
+                <a:spcPct val="90000"/>
+              </a:lnSpc>
+              <a:spcBef>
+                <a:spcPts val="711"/>
+              </a:spcBef>
+              <a:buFont typeface="Arial" panose="020B0604020202020204" pitchFamily="34" charset="0"/>
+              <a:buChar char="•"/>
+              <a:defRPr sz="2560" kern="1200">
+                <a:solidFill>
+                  <a:schemeClr val="tx1"/>
+                </a:solidFill>
+                <a:latin typeface="+mn-lt"/>
+                <a:ea typeface="+mn-ea"/>
+                <a:cs typeface="+mn-cs"/>
+              </a:defRPr>
+            </a:lvl7pPr>
+            <a:lvl8pPr marL="4876381" indent="-325092" algn="l" defTabSz="1300368" rtl="0" eaLnBrk="1" latinLnBrk="0" hangingPunct="1">
+              <a:lnSpc>
+                <a:spcPct val="90000"/>
+              </a:lnSpc>
+              <a:spcBef>
+                <a:spcPts val="711"/>
+              </a:spcBef>
+              <a:buFont typeface="Arial" panose="020B0604020202020204" pitchFamily="34" charset="0"/>
+              <a:buChar char="•"/>
+              <a:defRPr sz="2560" kern="1200">
+                <a:solidFill>
+                  <a:schemeClr val="tx1"/>
+                </a:solidFill>
+                <a:latin typeface="+mn-lt"/>
+                <a:ea typeface="+mn-ea"/>
+                <a:cs typeface="+mn-cs"/>
+              </a:defRPr>
+            </a:lvl8pPr>
+            <a:lvl9pPr marL="5526565" indent="-325092" algn="l" defTabSz="1300368" rtl="0" eaLnBrk="1" latinLnBrk="0" hangingPunct="1">
+              <a:lnSpc>
+                <a:spcPct val="90000"/>
+              </a:lnSpc>
+              <a:spcBef>
+                <a:spcPts val="711"/>
+              </a:spcBef>
+              <a:buFont typeface="Arial" panose="020B0604020202020204" pitchFamily="34" charset="0"/>
+              <a:buChar char="•"/>
+              <a:defRPr sz="2560" kern="1200">
+                <a:solidFill>
+                  <a:schemeClr val="tx1"/>
+                </a:solidFill>
+                <a:latin typeface="+mn-lt"/>
+                <a:ea typeface="+mn-ea"/>
+                <a:cs typeface="+mn-cs"/>
+              </a:defRPr>
+            </a:lvl9pPr>
+          </a:lstStyle>
+          <a:p>
+            <a:r>
+              <a:rPr lang="en-US" sz="3200" i="1" dirty="0"/>
+              <a:t>Caveat: test of (dbp5-dbp3)&lt;</a:t>
+            </a:r>
+            <a:r>
+              <a:rPr lang="en-US" sz="3200" b="1" i="1" dirty="0"/>
+              <a:t>-</a:t>
+            </a:r>
+            <a:r>
+              <a:rPr lang="en-US" sz="3200" i="1" dirty="0"/>
+              <a:t>10mmHg</a:t>
+            </a:r>
+          </a:p>
+          <a:p>
+            <a:r>
+              <a:rPr lang="en-US" sz="3200" i="1" dirty="0"/>
+              <a:t>30 0’s</a:t>
+            </a:r>
+          </a:p>
+          <a:p>
+            <a:r>
+              <a:rPr lang="en-US" sz="3200" i="1" dirty="0"/>
+              <a:t>Observed diff 0,001%</a:t>
+            </a:r>
+            <a:br>
+              <a:rPr lang="en-US" sz="3200" i="1" dirty="0"/>
+            </a:br>
+            <a:r>
+              <a:rPr lang="en-US" sz="3200" i="1" dirty="0"/>
+              <a:t>likely </a:t>
+            </a:r>
+          </a:p>
+        </p:txBody>
+      </p:sp>
+      <p:pic>
+        <p:nvPicPr>
+          <p:cNvPr id="11" name="Picture 10">
+            <a:extLst>
+              <a:ext uri="{FF2B5EF4-FFF2-40B4-BE49-F238E27FC236}">
+                <a16:creationId xmlns:a16="http://schemas.microsoft.com/office/drawing/2014/main" id="{6A3CBB07-9462-409E-8119-122DC68A4FB7}"/>
+              </a:ext>
+            </a:extLst>
+          </p:cNvPr>
+          <p:cNvPicPr>
+            <a:picLocks noChangeAspect="1"/>
+          </p:cNvPicPr>
+          <p:nvPr/>
+        </p:nvPicPr>
+        <p:blipFill>
+          <a:blip r:embed="rId5"/>
+          <a:stretch>
+            <a:fillRect/>
+          </a:stretch>
+        </p:blipFill>
+        <p:spPr>
+          <a:xfrm>
+            <a:off x="13986432" y="7623462"/>
+            <a:ext cx="3032599" cy="1871547"/>
+          </a:xfrm>
+          <a:prstGeom prst="rect">
+            <a:avLst/>
+          </a:prstGeom>
+        </p:spPr>
+      </p:pic>
     </p:spTree>
     <p:extLst>
       <p:ext uri="{BB962C8B-B14F-4D97-AF65-F5344CB8AC3E}">
